--- a/SecurityHub_Design_Implementation_v1.0_10Apr2020.pptx
+++ b/SecurityHub_Design_Implementation_v1.0_10Apr2020.pptx
@@ -5,7 +5,7 @@
     <p:sldMasterId id="2147483648" r:id="rId1"/>
   </p:sldMasterIdLst>
   <p:notesMasterIdLst>
-    <p:notesMasterId r:id="rId18"/>
+    <p:notesMasterId r:id="rId17"/>
   </p:notesMasterIdLst>
   <p:sldIdLst>
     <p:sldId id="256" r:id="rId2"/>
@@ -23,7 +23,6 @@
     <p:sldId id="2142531662" r:id="rId14"/>
     <p:sldId id="2142531654" r:id="rId15"/>
     <p:sldId id="2142531653" r:id="rId16"/>
-    <p:sldId id="257" r:id="rId17"/>
   </p:sldIdLst>
   <p:sldSz cx="12192000" cy="6858000"/>
   <p:notesSz cx="6858000" cy="9144000"/>
@@ -212,7 +211,7 @@
           <a:p>
             <a:fld id="{54A99174-C762-43C1-A8CD-A61BF87392D7}" type="datetimeFigureOut">
               <a:rPr lang="en-IN" smtClean="0"/>
-              <a:t>12-04-2021</a:t>
+              <a:t>14-04-2021</a:t>
             </a:fld>
             <a:endParaRPr lang="en-IN"/>
           </a:p>
@@ -1061,7 +1060,7 @@
           <a:p>
             <a:fld id="{7845AFDD-A414-9F44-AFB8-381B9548E8B3}" type="datetimeFigureOut">
               <a:rPr lang="en-US" smtClean="0"/>
-              <a:t>4/12/2021</a:t>
+              <a:t>4/14/2021</a:t>
             </a:fld>
             <a:endParaRPr lang="en-US"/>
           </a:p>
@@ -1261,7 +1260,7 @@
           <a:p>
             <a:fld id="{7845AFDD-A414-9F44-AFB8-381B9548E8B3}" type="datetimeFigureOut">
               <a:rPr lang="en-US" smtClean="0"/>
-              <a:t>4/12/2021</a:t>
+              <a:t>4/14/2021</a:t>
             </a:fld>
             <a:endParaRPr lang="en-US"/>
           </a:p>
@@ -1471,7 +1470,7 @@
           <a:p>
             <a:fld id="{7845AFDD-A414-9F44-AFB8-381B9548E8B3}" type="datetimeFigureOut">
               <a:rPr lang="en-US" smtClean="0"/>
-              <a:t>4/12/2021</a:t>
+              <a:t>4/14/2021</a:t>
             </a:fld>
             <a:endParaRPr lang="en-US"/>
           </a:p>
@@ -1671,7 +1670,7 @@
           <a:p>
             <a:fld id="{7845AFDD-A414-9F44-AFB8-381B9548E8B3}" type="datetimeFigureOut">
               <a:rPr lang="en-US" smtClean="0"/>
-              <a:t>4/12/2021</a:t>
+              <a:t>4/14/2021</a:t>
             </a:fld>
             <a:endParaRPr lang="en-US"/>
           </a:p>
@@ -1947,7 +1946,7 @@
           <a:p>
             <a:fld id="{7845AFDD-A414-9F44-AFB8-381B9548E8B3}" type="datetimeFigureOut">
               <a:rPr lang="en-US" smtClean="0"/>
-              <a:t>4/12/2021</a:t>
+              <a:t>4/14/2021</a:t>
             </a:fld>
             <a:endParaRPr lang="en-US"/>
           </a:p>
@@ -2215,7 +2214,7 @@
           <a:p>
             <a:fld id="{7845AFDD-A414-9F44-AFB8-381B9548E8B3}" type="datetimeFigureOut">
               <a:rPr lang="en-US" smtClean="0"/>
-              <a:t>4/12/2021</a:t>
+              <a:t>4/14/2021</a:t>
             </a:fld>
             <a:endParaRPr lang="en-US"/>
           </a:p>
@@ -2630,7 +2629,7 @@
           <a:p>
             <a:fld id="{7845AFDD-A414-9F44-AFB8-381B9548E8B3}" type="datetimeFigureOut">
               <a:rPr lang="en-US" smtClean="0"/>
-              <a:t>4/12/2021</a:t>
+              <a:t>4/14/2021</a:t>
             </a:fld>
             <a:endParaRPr lang="en-US"/>
           </a:p>
@@ -2772,7 +2771,7 @@
           <a:p>
             <a:fld id="{7845AFDD-A414-9F44-AFB8-381B9548E8B3}" type="datetimeFigureOut">
               <a:rPr lang="en-US" smtClean="0"/>
-              <a:t>4/12/2021</a:t>
+              <a:t>4/14/2021</a:t>
             </a:fld>
             <a:endParaRPr lang="en-US"/>
           </a:p>
@@ -2885,7 +2884,7 @@
           <a:p>
             <a:fld id="{7845AFDD-A414-9F44-AFB8-381B9548E8B3}" type="datetimeFigureOut">
               <a:rPr lang="en-US" smtClean="0"/>
-              <a:t>4/12/2021</a:t>
+              <a:t>4/14/2021</a:t>
             </a:fld>
             <a:endParaRPr lang="en-US"/>
           </a:p>
@@ -3198,7 +3197,7 @@
           <a:p>
             <a:fld id="{7845AFDD-A414-9F44-AFB8-381B9548E8B3}" type="datetimeFigureOut">
               <a:rPr lang="en-US" smtClean="0"/>
-              <a:t>4/12/2021</a:t>
+              <a:t>4/14/2021</a:t>
             </a:fld>
             <a:endParaRPr lang="en-US"/>
           </a:p>
@@ -3487,7 +3486,7 @@
           <a:p>
             <a:fld id="{7845AFDD-A414-9F44-AFB8-381B9548E8B3}" type="datetimeFigureOut">
               <a:rPr lang="en-US" smtClean="0"/>
-              <a:t>4/12/2021</a:t>
+              <a:t>4/14/2021</a:t>
             </a:fld>
             <a:endParaRPr lang="en-US"/>
           </a:p>
@@ -3730,7 +3729,7 @@
           <a:p>
             <a:fld id="{7845AFDD-A414-9F44-AFB8-381B9548E8B3}" type="datetimeFigureOut">
               <a:rPr lang="en-US" smtClean="0"/>
-              <a:t>4/12/2021</a:t>
+              <a:t>4/14/2021</a:t>
             </a:fld>
             <a:endParaRPr lang="en-US"/>
           </a:p>
@@ -4403,7 +4402,7 @@
                 <a:tabLst/>
                 <a:defRPr/>
               </a:pPr>
-              <a:t>12-04-2021</a:t>
+              <a:t>15-04-2021</a:t>
             </a:fld>
             <a:endParaRPr kumimoji="0" lang="en-IN" sz="1200" b="0" i="0" u="none" strike="noStrike" kern="1200" cap="none" spc="0" normalizeH="0" baseline="0" noProof="0" dirty="0">
               <a:ln>
@@ -4541,7 +4540,7 @@
               <a:rPr lang="en-US" sz="2400" dirty="0">
                 <a:hlinkClick r:id="rId3"/>
               </a:rPr>
-              <a:t>https://github.ibm.com/venkatre/aws_security_hub_automation/tree/master/EventDump_forNetcoolTeam/cis_findings</a:t>
+              <a:t>https://github.com/venkat197872/securityhub_automation/tree/main/EventDump_forNetcoolTeam/cis_findings</a:t>
             </a:r>
             <a:endParaRPr lang="en-US" sz="2400" dirty="0"/>
           </a:p>
@@ -4733,7 +4732,7 @@
               <a:rPr lang="en-US" sz="2400" dirty="0">
                 <a:hlinkClick r:id="rId2"/>
               </a:rPr>
-              <a:t>https://github.ibm.com/venkatre/aws_security_hub_automation/tree/master/EventDump_forNetcoolTeam/cis_findings</a:t>
+              <a:t>https://github.com/venkat197872/securityhub_automation/tree/main/EventDump_forNetcoolTeam/cis_findings</a:t>
             </a:r>
             <a:endParaRPr lang="en-US" sz="2400" dirty="0"/>
           </a:p>
@@ -5137,190 +5136,6 @@
 </p:sld>
 </file>
 
-<file path=ppt/slides/slide16.xml><?xml version="1.0" encoding="utf-8"?>
-<p:sld xmlns:a="http://schemas.openxmlformats.org/drawingml/2006/main" xmlns:r="http://schemas.openxmlformats.org/officeDocument/2006/relationships" xmlns:p="http://schemas.openxmlformats.org/presentationml/2006/main">
-  <p:cSld>
-    <p:spTree>
-      <p:nvGrpSpPr>
-        <p:cNvPr id="1" name=""/>
-        <p:cNvGrpSpPr/>
-        <p:nvPr/>
-      </p:nvGrpSpPr>
-      <p:grpSpPr>
-        <a:xfrm>
-          <a:off x="0" y="0"/>
-          <a:ext cx="0" cy="0"/>
-          <a:chOff x="0" y="0"/>
-          <a:chExt cx="0" cy="0"/>
-        </a:xfrm>
-      </p:grpSpPr>
-      <p:sp>
-        <p:nvSpPr>
-          <p:cNvPr id="2" name="Title 1">
-            <a:extLst>
-              <a:ext uri="{FF2B5EF4-FFF2-40B4-BE49-F238E27FC236}">
-                <a16:creationId xmlns:a16="http://schemas.microsoft.com/office/drawing/2014/main" id="{A248F81B-F076-5442-AFB8-428C0BEB22CD}"/>
-              </a:ext>
-            </a:extLst>
-          </p:cNvPr>
-          <p:cNvSpPr>
-            <a:spLocks noGrp="1"/>
-          </p:cNvSpPr>
-          <p:nvPr>
-            <p:ph type="title"/>
-          </p:nvPr>
-        </p:nvSpPr>
-        <p:spPr>
-          <a:xfrm>
-            <a:off x="838200" y="365125"/>
-            <a:ext cx="10515600" cy="801523"/>
-          </a:xfrm>
-        </p:spPr>
-        <p:txBody>
-          <a:bodyPr>
-            <a:normAutofit/>
-          </a:bodyPr>
-          <a:lstStyle/>
-          <a:p>
-            <a:r>
-              <a:rPr lang="en-US" sz="3200" dirty="0"/>
-              <a:t>Public Cloud Onboarding Automation Options</a:t>
-            </a:r>
-          </a:p>
-        </p:txBody>
-      </p:sp>
-      <p:sp>
-        <p:nvSpPr>
-          <p:cNvPr id="3" name="Content Placeholder 2">
-            <a:extLst>
-              <a:ext uri="{FF2B5EF4-FFF2-40B4-BE49-F238E27FC236}">
-                <a16:creationId xmlns:a16="http://schemas.microsoft.com/office/drawing/2014/main" id="{82AA6EC2-2C48-7149-ACB6-0866906756FD}"/>
-              </a:ext>
-            </a:extLst>
-          </p:cNvPr>
-          <p:cNvSpPr>
-            <a:spLocks noGrp="1"/>
-          </p:cNvSpPr>
-          <p:nvPr>
-            <p:ph idx="1"/>
-          </p:nvPr>
-        </p:nvSpPr>
-        <p:spPr>
-          <a:xfrm>
-            <a:off x="838200" y="1166648"/>
-            <a:ext cx="10515600" cy="5412828"/>
-          </a:xfrm>
-        </p:spPr>
-        <p:txBody>
-          <a:bodyPr>
-            <a:normAutofit/>
-          </a:bodyPr>
-          <a:lstStyle/>
-          <a:p>
-            <a:r>
-              <a:rPr lang="en-US" sz="2400" dirty="0" err="1"/>
-              <a:t>Github</a:t>
-            </a:r>
-            <a:r>
-              <a:rPr lang="en-US" sz="2400" dirty="0"/>
-              <a:t> repo URL   </a:t>
-            </a:r>
-          </a:p>
-          <a:p>
-            <a:pPr marL="0" indent="0">
-              <a:buNone/>
-            </a:pPr>
-            <a:r>
-              <a:rPr lang="en-US" sz="2400" dirty="0">
-                <a:hlinkClick r:id="rId2"/>
-              </a:rPr>
-              <a:t>https://github.ibm.com/venkatre/aws_security_hub_automation</a:t>
-            </a:r>
-            <a:endParaRPr lang="en-US" sz="2400" dirty="0"/>
-          </a:p>
-          <a:p>
-            <a:pPr marL="0" indent="0">
-              <a:buNone/>
-            </a:pPr>
-            <a:endParaRPr lang="en-US" sz="2400" dirty="0"/>
-          </a:p>
-          <a:p>
-            <a:r>
-              <a:rPr lang="en-US" sz="2400" dirty="0"/>
-              <a:t>Lambda function to filter, send security hub findings/events to SNS -&gt; Netcool</a:t>
-            </a:r>
-          </a:p>
-          <a:p>
-            <a:pPr marL="0" indent="0">
-              <a:buNone/>
-            </a:pPr>
-            <a:r>
-              <a:rPr lang="en-US" sz="2400" dirty="0">
-                <a:hlinkClick r:id="rId3"/>
-              </a:rPr>
-              <a:t>https://github.ibm.com/venkatre/aws_security_hub_automation/blob/master/code/route_securityhub_events_to_netcool.py</a:t>
-            </a:r>
-            <a:endParaRPr lang="en-US" sz="2400" dirty="0"/>
-          </a:p>
-          <a:p>
-            <a:pPr marL="0" indent="0">
-              <a:buNone/>
-            </a:pPr>
-            <a:endParaRPr lang="en-US" sz="2400" dirty="0"/>
-          </a:p>
-          <a:p>
-            <a:r>
-              <a:rPr lang="en-US" sz="2400" dirty="0"/>
-              <a:t>Lambda function for IBM tech specs not covered by CIS, </a:t>
-            </a:r>
-            <a:r>
-              <a:rPr lang="en-US" sz="2400" dirty="0" err="1"/>
-              <a:t>SecurityHub</a:t>
-            </a:r>
-            <a:r>
-              <a:rPr lang="en-US" sz="2400" dirty="0"/>
-              <a:t>. Custom config rule invokes below lambda function:</a:t>
-            </a:r>
-          </a:p>
-          <a:p>
-            <a:pPr marL="0" indent="0">
-              <a:buNone/>
-            </a:pPr>
-            <a:r>
-              <a:rPr lang="en-US" sz="2400" dirty="0">
-                <a:hlinkClick r:id="rId4"/>
-              </a:rPr>
-              <a:t>https://github.ibm.com/venkatre/aws_security_hub_automation/blob/master/code/remediate_security_group_ports_lambda_function.py</a:t>
-            </a:r>
-            <a:endParaRPr lang="en-US" sz="2400" dirty="0"/>
-          </a:p>
-          <a:p>
-            <a:pPr marL="0" indent="0">
-              <a:buNone/>
-            </a:pPr>
-            <a:endParaRPr lang="en-US" sz="2400" dirty="0"/>
-          </a:p>
-          <a:p>
-            <a:endParaRPr lang="en-US" sz="2400" dirty="0"/>
-          </a:p>
-          <a:p>
-            <a:endParaRPr lang="en-US" sz="2400" dirty="0"/>
-          </a:p>
-        </p:txBody>
-      </p:sp>
-    </p:spTree>
-    <p:extLst>
-      <p:ext uri="{BB962C8B-B14F-4D97-AF65-F5344CB8AC3E}">
-        <p14:creationId xmlns:p14="http://schemas.microsoft.com/office/powerpoint/2010/main" val="1451594834"/>
-      </p:ext>
-    </p:extLst>
-  </p:cSld>
-  <p:clrMapOvr>
-    <a:masterClrMapping/>
-  </p:clrMapOvr>
-</p:sld>
-</file>
-
 <file path=ppt/slides/slide2.xml><?xml version="1.0" encoding="utf-8"?>
 <p:sld xmlns:a="http://schemas.openxmlformats.org/drawingml/2006/main" xmlns:r="http://schemas.openxmlformats.org/officeDocument/2006/relationships" xmlns:p="http://schemas.openxmlformats.org/presentationml/2006/main">
   <p:cSld>
@@ -5672,7 +5487,7 @@
               <a:rPr lang="en-US" sz="2400" dirty="0">
                 <a:hlinkClick r:id="rId3"/>
               </a:rPr>
-              <a:t>https://github.ibm.com/venkatre/aws_security_hub_automation/blob/master/final_code/publish_securityhub_findings_to_netcool_working_10Apr_final.py</a:t>
+              <a:t>https://github.com/venkat197872/securityhub_automation/blob/main/final_code/publish_securityhub_findings_to_netcool_working_14Apr_final.py</a:t>
             </a:r>
             <a:endParaRPr lang="en-US" sz="2400" dirty="0"/>
           </a:p>
@@ -5883,8 +5698,14 @@
               <a:rPr lang="en-US" sz="2400" dirty="0">
                 <a:hlinkClick r:id="rId4"/>
               </a:rPr>
-              <a:t>https://github.ibm.com/venkatre/aws_security_hub_automation/tree/master/final_code</a:t>
-            </a:r>
+              <a:t>https://github.com/venkat197872/securityhub_automation/blob/main/final_code</a:t>
+            </a:r>
+            <a:endParaRPr lang="en-US" sz="2400" dirty="0"/>
+          </a:p>
+          <a:p>
+            <a:pPr marL="0" indent="0">
+              <a:buNone/>
+            </a:pPr>
             <a:endParaRPr lang="en-US" sz="2400" dirty="0"/>
           </a:p>
           <a:p>
@@ -7081,7 +6902,7 @@
                 <a:tabLst/>
                 <a:defRPr/>
               </a:pPr>
-              <a:t>12-04-2021</a:t>
+              <a:t>14-04-2021</a:t>
             </a:fld>
             <a:endParaRPr kumimoji="0" lang="en-IN" sz="1200" b="0" i="0" u="none" strike="noStrike" kern="1200" cap="none" spc="0" normalizeH="0" baseline="0" noProof="0" dirty="0">
               <a:ln>
@@ -8353,7 +8174,7 @@
                 <a:tabLst/>
                 <a:defRPr/>
               </a:pPr>
-              <a:t>12-04-2021</a:t>
+              <a:t>14-04-2021</a:t>
             </a:fld>
             <a:endParaRPr kumimoji="0" lang="en-IN" sz="1200" b="0" i="0" u="none" strike="noStrike" kern="1200" cap="none" spc="0" normalizeH="0" baseline="0" noProof="0" dirty="0">
               <a:ln>
